--- a/TC/053 - Kìa Thiên Binh Cùng Nhau Trỗi Hát.pptx
+++ b/TC/053 - Kìa Thiên Binh Cùng Nhau Trỗi Hát.pptx
@@ -170,7 +170,7 @@
           </a:lstStyle>
           <a:p>
             <a:r>
-              <a:rPr lang="en-US" smtClean="0"/>
+              <a:rPr lang="en-US"/>
               <a:t>Click to edit Master title style</a:t>
             </a:r>
             <a:endParaRPr lang="en-US" dirty="0"/>
@@ -235,7 +235,7 @@
           </a:lstStyle>
           <a:p>
             <a:r>
-              <a:rPr lang="en-US" smtClean="0"/>
+              <a:rPr lang="en-US"/>
               <a:t>Click to edit Master subtitle style</a:t>
             </a:r>
             <a:endParaRPr lang="en-US" dirty="0"/>
@@ -266,7 +266,7 @@
                 </a:solidFill>
               </a:rPr>
               <a:pPr/>
-              <a:t>19/11/2013</a:t>
+              <a:t>Sun, 12/13/2020</a:t>
             </a:fld>
             <a:endParaRPr lang="en-US">
               <a:solidFill>
@@ -394,7 +394,7 @@
           </a:lstStyle>
           <a:p>
             <a:r>
-              <a:rPr lang="en-US" smtClean="0"/>
+              <a:rPr lang="en-US"/>
               <a:t>Click to edit Master title style</a:t>
             </a:r>
             <a:endParaRPr lang="en-US" dirty="0"/>
@@ -459,7 +459,7 @@
           </a:lstStyle>
           <a:p>
             <a:r>
-              <a:rPr lang="en-US" smtClean="0"/>
+              <a:rPr lang="en-US"/>
               <a:t>Click to edit Master subtitle style</a:t>
             </a:r>
             <a:endParaRPr lang="en-US" dirty="0"/>
@@ -490,7 +490,7 @@
                 </a:solidFill>
               </a:rPr>
               <a:pPr/>
-              <a:t>19/11/2013</a:t>
+              <a:t>Sun, 12/13/2020</a:t>
             </a:fld>
             <a:endParaRPr lang="en-US">
               <a:solidFill>
@@ -633,7 +633,7 @@
           <a:lstStyle/>
           <a:p>
             <a:r>
-              <a:rPr lang="en-US" smtClean="0"/>
+              <a:rPr lang="en-US"/>
               <a:t>Click to edit Master title style</a:t>
             </a:r>
             <a:endParaRPr lang="en-US" dirty="0"/>
@@ -667,35 +667,35 @@
           <a:p>
             <a:pPr lvl="0"/>
             <a:r>
-              <a:rPr lang="en-US" smtClean="0"/>
+              <a:rPr lang="en-US"/>
               <a:t>Click to edit Master text styles</a:t>
             </a:r>
           </a:p>
           <a:p>
             <a:pPr lvl="1"/>
             <a:r>
-              <a:rPr lang="en-US" smtClean="0"/>
+              <a:rPr lang="en-US"/>
               <a:t>Second level</a:t>
             </a:r>
           </a:p>
           <a:p>
             <a:pPr lvl="2"/>
             <a:r>
-              <a:rPr lang="en-US" smtClean="0"/>
+              <a:rPr lang="en-US"/>
               <a:t>Third level</a:t>
             </a:r>
           </a:p>
           <a:p>
             <a:pPr lvl="3"/>
             <a:r>
-              <a:rPr lang="en-US" smtClean="0"/>
+              <a:rPr lang="en-US"/>
               <a:t>Fourth level</a:t>
             </a:r>
           </a:p>
           <a:p>
             <a:pPr lvl="4"/>
             <a:r>
-              <a:rPr lang="en-US" smtClean="0"/>
+              <a:rPr lang="en-US"/>
               <a:t>Fifth level</a:t>
             </a:r>
             <a:endParaRPr lang="en-US" dirty="0"/>
@@ -744,7 +744,7 @@
                 </a:solidFill>
               </a:rPr>
               <a:pPr/>
-              <a:t>19/11/2013</a:t>
+              <a:t>Sun, 12/13/2020</a:t>
             </a:fld>
             <a:endParaRPr lang="en-US">
               <a:solidFill>
@@ -1204,7 +1204,7 @@
           <a:lstStyle/>
           <a:p>
             <a:r>
-              <a:rPr lang="en-US" smtClean="0"/>
+              <a:rPr lang="en-US"/>
               <a:t>Click to edit Master title style</a:t>
             </a:r>
             <a:endParaRPr lang="en-US" dirty="0"/>
@@ -1238,35 +1238,35 @@
           <a:p>
             <a:pPr lvl="0"/>
             <a:r>
-              <a:rPr lang="en-US" smtClean="0"/>
+              <a:rPr lang="en-US"/>
               <a:t>Click to edit Master text styles</a:t>
             </a:r>
           </a:p>
           <a:p>
             <a:pPr lvl="1"/>
             <a:r>
-              <a:rPr lang="en-US" smtClean="0"/>
+              <a:rPr lang="en-US"/>
               <a:t>Second level</a:t>
             </a:r>
           </a:p>
           <a:p>
             <a:pPr lvl="2"/>
             <a:r>
-              <a:rPr lang="en-US" smtClean="0"/>
+              <a:rPr lang="en-US"/>
               <a:t>Third level</a:t>
             </a:r>
           </a:p>
           <a:p>
             <a:pPr lvl="3"/>
             <a:r>
-              <a:rPr lang="en-US" smtClean="0"/>
+              <a:rPr lang="en-US"/>
               <a:t>Fourth level</a:t>
             </a:r>
           </a:p>
           <a:p>
             <a:pPr lvl="4"/>
             <a:r>
-              <a:rPr lang="en-US" smtClean="0"/>
+              <a:rPr lang="en-US"/>
               <a:t>Fifth level</a:t>
             </a:r>
             <a:endParaRPr lang="en-US" dirty="0"/>
@@ -1315,7 +1315,7 @@
                 </a:solidFill>
               </a:rPr>
               <a:pPr/>
-              <a:t>19/11/2013</a:t>
+              <a:t>Sun, 12/13/2020</a:t>
             </a:fld>
             <a:endParaRPr lang="en-US">
               <a:solidFill>
@@ -1759,7 +1759,7 @@
           <a:p>
             <a:pPr algn="ctr"/>
             <a:r>
-              <a:rPr lang="en-US" sz="6000">
+              <a:rPr lang="en-US" sz="6000" dirty="0">
                 <a:solidFill>
                   <a:srgbClr val="C00000"/>
                 </a:solidFill>
@@ -1768,12 +1768,12 @@
                     <a:prstClr val="white"/>
                   </a:glow>
                 </a:effectLst>
-                <a:latin typeface="HP-Kabel" pitchFamily="34" charset="0"/>
+                <a:latin typeface="VNI-Book" pitchFamily="2" charset="0"/>
               </a:rPr>
               <a:t>KÌA THIEÂN BINH </a:t>
             </a:r>
             <a:br>
-              <a:rPr lang="en-US" sz="6000">
+              <a:rPr lang="en-US" sz="6000" dirty="0">
                 <a:solidFill>
                   <a:srgbClr val="C00000"/>
                 </a:solidFill>
@@ -1782,11 +1782,11 @@
                     <a:prstClr val="white"/>
                   </a:glow>
                 </a:effectLst>
-                <a:latin typeface="HP-Kabel" pitchFamily="34" charset="0"/>
+                <a:latin typeface="VNI-Book" pitchFamily="2" charset="0"/>
               </a:rPr>
             </a:br>
             <a:r>
-              <a:rPr lang="en-US" sz="6000">
+              <a:rPr lang="en-US" sz="6000" dirty="0">
                 <a:solidFill>
                   <a:srgbClr val="C00000"/>
                 </a:solidFill>
@@ -1795,12 +1795,12 @@
                     <a:prstClr val="white"/>
                   </a:glow>
                 </a:effectLst>
-                <a:latin typeface="HP-Kabel" pitchFamily="34" charset="0"/>
+                <a:latin typeface="VNI-Book" pitchFamily="2" charset="0"/>
               </a:rPr>
               <a:t>CUØNG NHAU </a:t>
             </a:r>
             <a:br>
-              <a:rPr lang="en-US" sz="6000">
+              <a:rPr lang="en-US" sz="6000" dirty="0">
                 <a:solidFill>
                   <a:srgbClr val="C00000"/>
                 </a:solidFill>
@@ -1809,11 +1809,11 @@
                     <a:prstClr val="white"/>
                   </a:glow>
                 </a:effectLst>
-                <a:latin typeface="HP-Kabel" pitchFamily="34" charset="0"/>
+                <a:latin typeface="VNI-Book" pitchFamily="2" charset="0"/>
               </a:rPr>
             </a:br>
             <a:r>
-              <a:rPr lang="en-US" sz="6000">
+              <a:rPr lang="en-US" sz="6000" dirty="0">
                 <a:solidFill>
                   <a:srgbClr val="C00000"/>
                 </a:solidFill>
@@ -1822,11 +1822,11 @@
                     <a:prstClr val="white"/>
                   </a:glow>
                 </a:effectLst>
-                <a:latin typeface="HP-Kabel" pitchFamily="34" charset="0"/>
+                <a:latin typeface="VNI-Book" pitchFamily="2" charset="0"/>
               </a:rPr>
               <a:t>TROÃI HAÙT</a:t>
             </a:r>
-            <a:endParaRPr lang="en-US" sz="8000">
+            <a:endParaRPr lang="en-US" sz="8000" dirty="0">
               <a:solidFill>
                 <a:srgbClr val="C00000"/>
               </a:solidFill>
@@ -1835,7 +1835,7 @@
                   <a:prstClr val="white"/>
                 </a:glow>
               </a:effectLst>
-              <a:latin typeface="HP-Kabel" pitchFamily="34" charset="0"/>
+              <a:latin typeface="VNI-Book" pitchFamily="2" charset="0"/>
             </a:endParaRPr>
           </a:p>
         </p:txBody>
@@ -1864,7 +1864,7 @@
           <a:p>
             <a:pPr algn="ctr"/>
             <a:r>
-              <a:rPr lang="en-US" sz="3500" b="1">
+              <a:rPr lang="en-US" sz="3500" b="1" dirty="0">
                 <a:solidFill>
                   <a:prstClr val="black"/>
                 </a:solidFill>
@@ -1873,7 +1873,7 @@
                     <a:prstClr val="white"/>
                   </a:glow>
                 </a:effectLst>
-                <a:latin typeface="VNI-Bamas" pitchFamily="34" charset="0"/>
+                <a:latin typeface="VNI-Book" pitchFamily="2" charset="0"/>
               </a:rPr>
               <a:t>TOÂN VINH CHUÙA  - THAÙNH CA 53</a:t>
             </a:r>
@@ -1902,13 +1902,6 @@
       </p:transition>
     </mc:Fallback>
   </mc:AlternateContent>
-  <p:timing>
-    <p:tnLst>
-      <p:par>
-        <p:cTn id="1" dur="indefinite" restart="never" nodeType="tmRoot"/>
-      </p:par>
-    </p:tnLst>
-  </p:timing>
 </p:sld>
 </file>
 
@@ -2007,7 +2000,7 @@
           <a:p>
             <a:pPr algn="ctr"/>
             <a:r>
-              <a:rPr lang="en-US" sz="6600" b="1" smtClean="0">
+              <a:rPr lang="en-US" sz="6600" b="1">
                 <a:solidFill>
                   <a:sysClr val="windowText" lastClr="000000"/>
                 </a:solidFill>
@@ -2021,7 +2014,7 @@
               <a:t>Keû tieáp Chuùa, </a:t>
             </a:r>
             <a:br>
-              <a:rPr lang="en-US" sz="6600" b="1" smtClean="0">
+              <a:rPr lang="en-US" sz="6600" b="1">
                 <a:solidFill>
                   <a:sysClr val="windowText" lastClr="000000"/>
                 </a:solidFill>
@@ -2034,7 +2027,7 @@
               </a:rPr>
             </a:br>
             <a:r>
-              <a:rPr lang="en-US" sz="6600" b="1" smtClean="0">
+              <a:rPr lang="en-US" sz="6600" b="1">
                 <a:solidFill>
                   <a:sysClr val="windowText" lastClr="000000"/>
                 </a:solidFill>
@@ -2048,7 +2041,7 @@
               <a:t>Chuùa luoân ngöï beân, </a:t>
             </a:r>
             <a:br>
-              <a:rPr lang="en-US" sz="6600" b="1" smtClean="0">
+              <a:rPr lang="en-US" sz="6600" b="1">
                 <a:solidFill>
                   <a:sysClr val="windowText" lastClr="000000"/>
                 </a:solidFill>
@@ -2061,7 +2054,7 @@
               </a:rPr>
             </a:br>
             <a:r>
-              <a:rPr lang="en-US" sz="6600" b="1" smtClean="0">
+              <a:rPr lang="en-US" sz="6600" b="1">
                 <a:solidFill>
                   <a:sysClr val="windowText" lastClr="000000"/>
                 </a:solidFill>
@@ -2075,7 +2068,7 @@
               <a:t>thaät roõ Chuùa </a:t>
             </a:r>
             <a:br>
-              <a:rPr lang="en-US" sz="6600" b="1" smtClean="0">
+              <a:rPr lang="en-US" sz="6600" b="1">
                 <a:solidFill>
                   <a:sysClr val="windowText" lastClr="000000"/>
                 </a:solidFill>
@@ -2088,7 +2081,7 @@
               </a:rPr>
             </a:br>
             <a:r>
-              <a:rPr lang="en-US" sz="6600" b="1" smtClean="0">
+              <a:rPr lang="en-US" sz="6600" b="1">
                 <a:solidFill>
                   <a:sysClr val="windowText" lastClr="000000"/>
                 </a:solidFill>
@@ -2127,21 +2120,6 @@
   <p:clrMapOvr>
     <a:overrideClrMapping bg1="lt1" tx1="dk1" bg2="lt2" tx2="dk2" accent1="accent1" accent2="accent2" accent3="accent3" accent4="accent4" accent5="accent5" accent6="accent6" hlink="hlink" folHlink="folHlink"/>
   </p:clrMapOvr>
-  <mc:AlternateContent xmlns:mc="http://schemas.openxmlformats.org/markup-compatibility/2006" xmlns:p14="http://schemas.microsoft.com/office/powerpoint/2010/main">
-    <mc:Choice Requires="p14">
-      <p:transition p14:dur="0"/>
-    </mc:Choice>
-    <mc:Fallback xmlns="">
-      <p:transition/>
-    </mc:Fallback>
-  </mc:AlternateContent>
-  <p:timing>
-    <p:tnLst>
-      <p:par>
-        <p:cTn id="1" dur="indefinite" restart="never" nodeType="tmRoot"/>
-      </p:par>
-    </p:tnLst>
-  </p:timing>
 </p:sld>
 </file>
 
@@ -2240,7 +2218,7 @@
           <a:p>
             <a:pPr algn="ctr"/>
             <a:r>
-              <a:rPr lang="en-US" sz="6600" b="1" smtClean="0">
+              <a:rPr lang="en-US" sz="6600" b="1">
                 <a:solidFill>
                   <a:sysClr val="windowText" lastClr="000000"/>
                 </a:solidFill>
@@ -2254,7 +2232,7 @@
               <a:t>Khaù chuù yù khuùc </a:t>
             </a:r>
             <a:br>
-              <a:rPr lang="en-US" sz="6600" b="1" smtClean="0">
+              <a:rPr lang="en-US" sz="6600" b="1">
                 <a:solidFill>
                   <a:sysClr val="windowText" lastClr="000000"/>
                 </a:solidFill>
@@ -2267,7 +2245,7 @@
               </a:rPr>
             </a:br>
             <a:r>
-              <a:rPr lang="en-US" sz="6600" b="1" smtClean="0">
+              <a:rPr lang="en-US" sz="6600" b="1">
                 <a:solidFill>
                   <a:sysClr val="windowText" lastClr="000000"/>
                 </a:solidFill>
@@ -2281,7 +2259,7 @@
               <a:t>ca dieäu thay: Vinh </a:t>
             </a:r>
             <a:br>
-              <a:rPr lang="en-US" sz="6600" b="1" smtClean="0">
+              <a:rPr lang="en-US" sz="6600" b="1">
                 <a:solidFill>
                   <a:sysClr val="windowText" lastClr="000000"/>
                 </a:solidFill>
@@ -2294,7 +2272,7 @@
               </a:rPr>
             </a:br>
             <a:r>
-              <a:rPr lang="en-US" sz="6600" b="1" smtClean="0">
+              <a:rPr lang="en-US" sz="6600" b="1">
                 <a:solidFill>
                   <a:sysClr val="windowText" lastClr="000000"/>
                 </a:solidFill>
@@ -2308,7 +2286,7 @@
               <a:t>hieån baáy Christ </a:t>
             </a:r>
             <a:br>
-              <a:rPr lang="en-US" sz="6600" b="1" smtClean="0">
+              <a:rPr lang="en-US" sz="6600" b="1">
                 <a:solidFill>
                   <a:sysClr val="windowText" lastClr="000000"/>
                 </a:solidFill>
@@ -2321,7 +2299,7 @@
               </a:rPr>
             </a:br>
             <a:r>
-              <a:rPr lang="en-US" sz="6600" b="1" smtClean="0">
+              <a:rPr lang="en-US" sz="6600" b="1">
                 <a:solidFill>
                   <a:sysClr val="windowText" lastClr="000000"/>
                 </a:solidFill>
@@ -2360,21 +2338,6 @@
   <p:clrMapOvr>
     <a:overrideClrMapping bg1="lt1" tx1="dk1" bg2="lt2" tx2="dk2" accent1="accent1" accent2="accent2" accent3="accent3" accent4="accent4" accent5="accent5" accent6="accent6" hlink="hlink" folHlink="folHlink"/>
   </p:clrMapOvr>
-  <mc:AlternateContent xmlns:mc="http://schemas.openxmlformats.org/markup-compatibility/2006" xmlns:p14="http://schemas.microsoft.com/office/powerpoint/2010/main">
-    <mc:Choice Requires="p14">
-      <p:transition p14:dur="0"/>
-    </mc:Choice>
-    <mc:Fallback xmlns="">
-      <p:transition/>
-    </mc:Fallback>
-  </mc:AlternateContent>
-  <p:timing>
-    <p:tnLst>
-      <p:par>
-        <p:cTn id="1" dur="indefinite" restart="never" nodeType="tmRoot"/>
-      </p:par>
-    </p:tnLst>
-  </p:timing>
 </p:sld>
 </file>
 
@@ -2459,7 +2422,7 @@
           <a:p>
             <a:pPr algn="ctr"/>
             <a:r>
-              <a:rPr lang="en-US" sz="4000" b="1" smtClean="0">
+              <a:rPr lang="en-US" sz="4000" b="1">
                 <a:solidFill>
                   <a:sysClr val="windowText" lastClr="000000"/>
                 </a:solidFill>
@@ -2473,7 +2436,7 @@
               <a:t>3.</a:t>
             </a:r>
             <a:r>
-              <a:rPr lang="en-US" sz="6600" b="1" smtClean="0">
+              <a:rPr lang="en-US" sz="6600" b="1">
                 <a:solidFill>
                   <a:sysClr val="windowText" lastClr="000000"/>
                 </a:solidFill>
@@ -2487,7 +2450,7 @@
               <a:t> </a:t>
             </a:r>
             <a:r>
-              <a:rPr lang="en-US" sz="6600" b="1" smtClean="0">
+              <a:rPr lang="en-US" sz="6600" b="1">
                 <a:solidFill>
                   <a:sysClr val="windowText" lastClr="000000"/>
                 </a:solidFill>
@@ -2501,7 +2464,7 @@
               <a:t>Tuïng ca Vua </a:t>
             </a:r>
             <a:br>
-              <a:rPr lang="en-US" sz="6600" b="1" smtClean="0">
+              <a:rPr lang="en-US" sz="6600" b="1">
                 <a:solidFill>
                   <a:sysClr val="windowText" lastClr="000000"/>
                 </a:solidFill>
@@ -2514,7 +2477,7 @@
               </a:rPr>
             </a:br>
             <a:r>
-              <a:rPr lang="en-US" sz="6600" b="1" smtClean="0">
+              <a:rPr lang="en-US" sz="6600" b="1">
                 <a:solidFill>
                   <a:sysClr val="windowText" lastClr="000000"/>
                 </a:solidFill>
@@ -2528,7 +2491,7 @@
               <a:t>bình an ñeán kia, </a:t>
             </a:r>
             <a:br>
-              <a:rPr lang="en-US" sz="6600" b="1" smtClean="0">
+              <a:rPr lang="en-US" sz="6600" b="1">
                 <a:solidFill>
                   <a:sysClr val="windowText" lastClr="000000"/>
                 </a:solidFill>
@@ -2541,7 +2504,7 @@
               </a:rPr>
             </a:br>
             <a:r>
-              <a:rPr lang="en-US" sz="6600" b="1" smtClean="0">
+              <a:rPr lang="en-US" sz="6600" b="1">
                 <a:solidFill>
                   <a:sysClr val="windowText" lastClr="000000"/>
                 </a:solidFill>
@@ -2590,13 +2553,6 @@
       </p:transition>
     </mc:Fallback>
   </mc:AlternateContent>
-  <p:timing>
-    <p:tnLst>
-      <p:par>
-        <p:cTn id="1" dur="indefinite" restart="never" nodeType="tmRoot"/>
-      </p:par>
-    </p:tnLst>
-  </p:timing>
 </p:sld>
 </file>
 
@@ -2695,7 +2651,7 @@
           <a:p>
             <a:pPr algn="ctr"/>
             <a:r>
-              <a:rPr lang="en-US" sz="6600" b="1" smtClean="0">
+              <a:rPr lang="en-US" sz="6600" b="1">
                 <a:solidFill>
                   <a:sysClr val="windowText" lastClr="000000"/>
                 </a:solidFill>
@@ -2709,7 +2665,7 @@
               <a:t>Ngaøi ñem theo thaàn quang, vónh sanh, </a:t>
             </a:r>
             <a:br>
-              <a:rPr lang="en-US" sz="6600" b="1" smtClean="0">
+              <a:rPr lang="en-US" sz="6600" b="1">
                 <a:solidFill>
                   <a:sysClr val="windowText" lastClr="000000"/>
                 </a:solidFill>
@@ -2722,7 +2678,7 @@
               </a:rPr>
             </a:br>
             <a:r>
-              <a:rPr lang="en-US" sz="6600" b="1" smtClean="0">
+              <a:rPr lang="en-US" sz="6600" b="1">
                 <a:solidFill>
                   <a:sysClr val="windowText" lastClr="000000"/>
                 </a:solidFill>
@@ -2736,7 +2692,7 @@
               <a:t>pheùp trò bònh do </a:t>
             </a:r>
             <a:br>
-              <a:rPr lang="en-US" sz="6600" b="1" smtClean="0">
+              <a:rPr lang="en-US" sz="6600" b="1">
                 <a:solidFill>
                   <a:sysClr val="windowText" lastClr="000000"/>
                 </a:solidFill>
@@ -2749,7 +2705,7 @@
               </a:rPr>
             </a:br>
             <a:r>
-              <a:rPr lang="en-US" sz="6600" b="1" smtClean="0">
+              <a:rPr lang="en-US" sz="6600" b="1">
                 <a:solidFill>
                   <a:sysClr val="windowText" lastClr="000000"/>
                 </a:solidFill>
@@ -2788,21 +2744,6 @@
   <p:clrMapOvr>
     <a:overrideClrMapping bg1="lt1" tx1="dk1" bg2="lt2" tx2="dk2" accent1="accent1" accent2="accent2" accent3="accent3" accent4="accent4" accent5="accent5" accent6="accent6" hlink="hlink" folHlink="folHlink"/>
   </p:clrMapOvr>
-  <mc:AlternateContent xmlns:mc="http://schemas.openxmlformats.org/markup-compatibility/2006" xmlns:p14="http://schemas.microsoft.com/office/powerpoint/2010/main">
-    <mc:Choice Requires="p14">
-      <p:transition p14:dur="0"/>
-    </mc:Choice>
-    <mc:Fallback xmlns="">
-      <p:transition/>
-    </mc:Fallback>
-  </mc:AlternateContent>
-  <p:timing>
-    <p:tnLst>
-      <p:par>
-        <p:cTn id="1" dur="indefinite" restart="never" nodeType="tmRoot"/>
-      </p:par>
-    </p:tnLst>
-  </p:timing>
 </p:sld>
 </file>
 
@@ -2901,7 +2842,7 @@
           <a:p>
             <a:pPr algn="ctr"/>
             <a:r>
-              <a:rPr lang="en-US" sz="6600" b="1" smtClean="0">
+              <a:rPr lang="en-US" sz="6600" b="1">
                 <a:solidFill>
                   <a:sysClr val="windowText" lastClr="000000"/>
                 </a:solidFill>
@@ -2915,7 +2856,7 @@
               <a:t>Chuùa gaùc boû quyeàn </a:t>
             </a:r>
             <a:br>
-              <a:rPr lang="en-US" sz="6600" b="1" smtClean="0">
+              <a:rPr lang="en-US" sz="6600" b="1">
                 <a:solidFill>
                   <a:sysClr val="windowText" lastClr="000000"/>
                 </a:solidFill>
@@ -2928,7 +2869,7 @@
               </a:rPr>
             </a:br>
             <a:r>
-              <a:rPr lang="en-US" sz="6600" b="1" smtClean="0">
+              <a:rPr lang="en-US" sz="6600" b="1">
                 <a:solidFill>
                   <a:sysClr val="windowText" lastClr="000000"/>
                 </a:solidFill>
@@ -2942,7 +2883,7 @@
               <a:t>quyù thieân cung, </a:t>
             </a:r>
             <a:br>
-              <a:rPr lang="en-US" sz="6600" b="1" smtClean="0">
+              <a:rPr lang="en-US" sz="6600" b="1">
                 <a:solidFill>
                   <a:sysClr val="windowText" lastClr="000000"/>
                 </a:solidFill>
@@ -2955,7 +2896,7 @@
               </a:rPr>
             </a:br>
             <a:r>
-              <a:rPr lang="en-US" sz="6600" b="1" smtClean="0">
+              <a:rPr lang="en-US" sz="6600" b="1">
                 <a:solidFill>
                   <a:sysClr val="windowText" lastClr="000000"/>
                 </a:solidFill>
@@ -2994,21 +2935,6 @@
   <p:clrMapOvr>
     <a:overrideClrMapping bg1="lt1" tx1="dk1" bg2="lt2" tx2="dk2" accent1="accent1" accent2="accent2" accent3="accent3" accent4="accent4" accent5="accent5" accent6="accent6" hlink="hlink" folHlink="folHlink"/>
   </p:clrMapOvr>
-  <mc:AlternateContent xmlns:mc="http://schemas.openxmlformats.org/markup-compatibility/2006" xmlns:p14="http://schemas.microsoft.com/office/powerpoint/2010/main">
-    <mc:Choice Requires="p14">
-      <p:transition p14:dur="0"/>
-    </mc:Choice>
-    <mc:Fallback xmlns="">
-      <p:transition/>
-    </mc:Fallback>
-  </mc:AlternateContent>
-  <p:timing>
-    <p:tnLst>
-      <p:par>
-        <p:cTn id="1" dur="indefinite" restart="never" nodeType="tmRoot"/>
-      </p:par>
-    </p:tnLst>
-  </p:timing>
 </p:sld>
 </file>
 
@@ -3107,7 +3033,7 @@
           <a:p>
             <a:pPr algn="ctr"/>
             <a:r>
-              <a:rPr lang="en-US" sz="6600" b="1" smtClean="0">
+              <a:rPr lang="en-US" sz="6600" b="1">
                 <a:solidFill>
                   <a:sysClr val="windowText" lastClr="000000"/>
                 </a:solidFill>
@@ -3121,7 +3047,7 @@
               <a:t>Xuoáng ñeå vôùt ai </a:t>
             </a:r>
             <a:br>
-              <a:rPr lang="en-US" sz="6600" b="1" smtClean="0">
+              <a:rPr lang="en-US" sz="6600" b="1">
                 <a:solidFill>
                   <a:sysClr val="windowText" lastClr="000000"/>
                 </a:solidFill>
@@ -3134,7 +3060,7 @@
               </a:rPr>
             </a:br>
             <a:r>
-              <a:rPr lang="en-US" sz="6600" b="1" smtClean="0">
+              <a:rPr lang="en-US" sz="6600" b="1">
                 <a:solidFill>
                   <a:sysClr val="windowText" lastClr="000000"/>
                 </a:solidFill>
@@ -3148,7 +3074,7 @@
               <a:t>ñöông laàm than, ñöôïc truøng sinh, phuïc </a:t>
             </a:r>
             <a:br>
-              <a:rPr lang="en-US" sz="6600" b="1" smtClean="0">
+              <a:rPr lang="en-US" sz="6600" b="1">
                 <a:solidFill>
                   <a:sysClr val="windowText" lastClr="000000"/>
                 </a:solidFill>
@@ -3161,7 +3087,7 @@
               </a:rPr>
             </a:br>
             <a:r>
-              <a:rPr lang="en-US" sz="6600" b="1" smtClean="0">
+              <a:rPr lang="en-US" sz="6600" b="1">
                 <a:solidFill>
                   <a:sysClr val="windowText" lastClr="000000"/>
                 </a:solidFill>
@@ -3200,21 +3126,6 @@
   <p:clrMapOvr>
     <a:overrideClrMapping bg1="lt1" tx1="dk1" bg2="lt2" tx2="dk2" accent1="accent1" accent2="accent2" accent3="accent3" accent4="accent4" accent5="accent5" accent6="accent6" hlink="hlink" folHlink="folHlink"/>
   </p:clrMapOvr>
-  <mc:AlternateContent xmlns:mc="http://schemas.openxmlformats.org/markup-compatibility/2006" xmlns:p14="http://schemas.microsoft.com/office/powerpoint/2010/main">
-    <mc:Choice Requires="p14">
-      <p:transition p14:dur="0"/>
-    </mc:Choice>
-    <mc:Fallback xmlns="">
-      <p:transition/>
-    </mc:Fallback>
-  </mc:AlternateContent>
-  <p:timing>
-    <p:tnLst>
-      <p:par>
-        <p:cTn id="1" dur="indefinite" restart="never" nodeType="tmRoot"/>
-      </p:par>
-    </p:tnLst>
-  </p:timing>
 </p:sld>
 </file>
 
@@ -3313,7 +3224,7 @@
           <a:p>
             <a:pPr algn="ctr"/>
             <a:r>
-              <a:rPr lang="en-US" sz="6600" b="1" smtClean="0">
+              <a:rPr lang="en-US" sz="6600" b="1">
                 <a:solidFill>
                   <a:sysClr val="windowText" lastClr="000000"/>
                 </a:solidFill>
@@ -3327,7 +3238,7 @@
               <a:t>Khaù chuù yù khuùc </a:t>
             </a:r>
             <a:br>
-              <a:rPr lang="en-US" sz="6600" b="1" smtClean="0">
+              <a:rPr lang="en-US" sz="6600" b="1">
                 <a:solidFill>
                   <a:sysClr val="windowText" lastClr="000000"/>
                 </a:solidFill>
@@ -3340,7 +3251,7 @@
               </a:rPr>
             </a:br>
             <a:r>
-              <a:rPr lang="en-US" sz="6600" b="1" smtClean="0">
+              <a:rPr lang="en-US" sz="6600" b="1">
                 <a:solidFill>
                   <a:sysClr val="windowText" lastClr="000000"/>
                 </a:solidFill>
@@ -3354,7 +3265,7 @@
               <a:t>ca dieäu thay: Vinh </a:t>
             </a:r>
             <a:br>
-              <a:rPr lang="en-US" sz="6600" b="1" smtClean="0">
+              <a:rPr lang="en-US" sz="6600" b="1">
                 <a:solidFill>
                   <a:sysClr val="windowText" lastClr="000000"/>
                 </a:solidFill>
@@ -3367,7 +3278,7 @@
               </a:rPr>
             </a:br>
             <a:r>
-              <a:rPr lang="en-US" sz="6600" b="1" smtClean="0">
+              <a:rPr lang="en-US" sz="6600" b="1">
                 <a:solidFill>
                   <a:sysClr val="windowText" lastClr="000000"/>
                 </a:solidFill>
@@ -3381,7 +3292,7 @@
               <a:t>hieån baáy Christ </a:t>
             </a:r>
             <a:br>
-              <a:rPr lang="en-US" sz="6600" b="1" smtClean="0">
+              <a:rPr lang="en-US" sz="6600" b="1">
                 <a:solidFill>
                   <a:sysClr val="windowText" lastClr="000000"/>
                 </a:solidFill>
@@ -3394,7 +3305,7 @@
               </a:rPr>
             </a:br>
             <a:r>
-              <a:rPr lang="en-US" sz="6600" b="1" smtClean="0">
+              <a:rPr lang="en-US" sz="6600" b="1">
                 <a:solidFill>
                   <a:sysClr val="windowText" lastClr="000000"/>
                 </a:solidFill>
@@ -3433,21 +3344,6 @@
   <p:clrMapOvr>
     <a:overrideClrMapping bg1="lt1" tx1="dk1" bg2="lt2" tx2="dk2" accent1="accent1" accent2="accent2" accent3="accent3" accent4="accent4" accent5="accent5" accent6="accent6" hlink="hlink" folHlink="folHlink"/>
   </p:clrMapOvr>
-  <mc:AlternateContent xmlns:mc="http://schemas.openxmlformats.org/markup-compatibility/2006" xmlns:p14="http://schemas.microsoft.com/office/powerpoint/2010/main">
-    <mc:Choice Requires="p14">
-      <p:transition p14:dur="0"/>
-    </mc:Choice>
-    <mc:Fallback xmlns="">
-      <p:transition/>
-    </mc:Fallback>
-  </mc:AlternateContent>
-  <p:timing>
-    <p:tnLst>
-      <p:par>
-        <p:cTn id="1" dur="indefinite" restart="never" nodeType="tmRoot"/>
-      </p:par>
-    </p:tnLst>
-  </p:timing>
 </p:sld>
 </file>
 
@@ -3557,10 +3453,10 @@
                 </a:effectLst>
                 <a:latin typeface="VNI-Aptima" pitchFamily="2" charset="0"/>
               </a:rPr>
-              <a:t> </a:t>
-            </a:r>
-            <a:r>
-              <a:rPr lang="en-US" sz="6600" b="1" smtClean="0">
+              <a:t> Kìa, thieân binh </a:t>
+            </a:r>
+            <a:br>
+              <a:rPr lang="en-US" sz="6600" b="1">
                 <a:solidFill>
                   <a:sysClr val="windowText" lastClr="000000"/>
                 </a:solidFill>
@@ -3571,8 +3467,7 @@
                 </a:effectLst>
                 <a:latin typeface="VNI-Aptima" pitchFamily="2" charset="0"/>
               </a:rPr>
-              <a:t>Kìa, </a:t>
-            </a:r>
+            </a:br>
             <a:r>
               <a:rPr lang="en-US" sz="6600" b="1">
                 <a:solidFill>
@@ -3585,62 +3480,7 @@
                 </a:effectLst>
                 <a:latin typeface="VNI-Aptima" pitchFamily="2" charset="0"/>
               </a:rPr>
-              <a:t>thieân binh </a:t>
-            </a:r>
-            <a:br>
-              <a:rPr lang="en-US" sz="6600" b="1">
-                <a:solidFill>
-                  <a:sysClr val="windowText" lastClr="000000"/>
-                </a:solidFill>
-                <a:effectLst>
-                  <a:glow rad="127000">
-                    <a:prstClr val="white"/>
-                  </a:glow>
-                </a:effectLst>
-                <a:latin typeface="VNI-Aptima" pitchFamily="2" charset="0"/>
-              </a:rPr>
-            </a:br>
-            <a:r>
-              <a:rPr lang="en-US" sz="6600" b="1">
-                <a:solidFill>
-                  <a:sysClr val="windowText" lastClr="000000"/>
-                </a:solidFill>
-                <a:effectLst>
-                  <a:glow rad="127000">
-                    <a:prstClr val="white"/>
-                  </a:glow>
-                </a:effectLst>
-                <a:latin typeface="VNI-Aptima" pitchFamily="2" charset="0"/>
-              </a:rPr>
-              <a:t>cuøng vang tieáng haùt, chuùc Thaùnh Ñeá môùi </a:t>
-            </a:r>
-            <a:r>
-              <a:rPr lang="en-US" sz="6600" b="1" smtClean="0">
-                <a:solidFill>
-                  <a:sysClr val="windowText" lastClr="000000"/>
-                </a:solidFill>
-                <a:effectLst>
-                  <a:glow rad="127000">
-                    <a:prstClr val="white"/>
-                  </a:glow>
-                </a:effectLst>
-                <a:latin typeface="VNI-Aptima" pitchFamily="2" charset="0"/>
-              </a:rPr>
-              <a:t>sinh </a:t>
-            </a:r>
-            <a:r>
-              <a:rPr lang="en-US" sz="6600" b="1">
-                <a:solidFill>
-                  <a:sysClr val="windowText" lastClr="000000"/>
-                </a:solidFill>
-                <a:effectLst>
-                  <a:glow rad="127000">
-                    <a:prstClr val="white"/>
-                  </a:glow>
-                </a:effectLst>
-                <a:latin typeface="VNI-Aptima" pitchFamily="2" charset="0"/>
-              </a:rPr>
-              <a:t>treân ñaát! </a:t>
+              <a:t>cuøng vang tieáng haùt, chuùc Thaùnh Ñeá môùi sinh treân ñaát! </a:t>
             </a:r>
             <a:endParaRPr lang="en-US" sz="6600" b="1">
               <a:solidFill>
@@ -3669,13 +3509,6 @@
   <p:transition spd="slow">
     <p:randomBar dir="vert"/>
   </p:transition>
-  <p:timing>
-    <p:tnLst>
-      <p:par>
-        <p:cTn id="1" dur="indefinite" restart="never" nodeType="tmRoot"/>
-      </p:par>
-    </p:tnLst>
-  </p:timing>
 </p:sld>
 </file>
 
@@ -3894,21 +3727,6 @@
   <p:clrMapOvr>
     <a:overrideClrMapping bg1="lt1" tx1="dk1" bg2="lt2" tx2="dk2" accent1="accent1" accent2="accent2" accent3="accent3" accent4="accent4" accent5="accent5" accent6="accent6" hlink="hlink" folHlink="folHlink"/>
   </p:clrMapOvr>
-  <mc:AlternateContent xmlns:mc="http://schemas.openxmlformats.org/markup-compatibility/2006" xmlns:p14="http://schemas.microsoft.com/office/powerpoint/2010/main">
-    <mc:Choice Requires="p14">
-      <p:transition p14:dur="0"/>
-    </mc:Choice>
-    <mc:Fallback xmlns="">
-      <p:transition/>
-    </mc:Fallback>
-  </mc:AlternateContent>
-  <p:timing>
-    <p:tnLst>
-      <p:par>
-        <p:cTn id="1" dur="indefinite" restart="never" nodeType="tmRoot"/>
-      </p:par>
-    </p:tnLst>
-  </p:timing>
 </p:sld>
 </file>
 
@@ -4007,7 +3825,7 @@
           <a:p>
             <a:pPr algn="ctr"/>
             <a:r>
-              <a:rPr lang="en-US" sz="6600" b="1" smtClean="0">
+              <a:rPr lang="en-US" sz="6600" b="1">
                 <a:solidFill>
                   <a:sysClr val="windowText" lastClr="000000"/>
                 </a:solidFill>
@@ -4021,7 +3839,7 @@
               <a:t>Khaép ñaát haùt : </a:t>
             </a:r>
             <a:br>
-              <a:rPr lang="en-US" sz="6600" b="1" smtClean="0">
+              <a:rPr lang="en-US" sz="6600" b="1">
                 <a:solidFill>
                   <a:sysClr val="windowText" lastClr="000000"/>
                 </a:solidFill>
@@ -4034,7 +3852,7 @@
               </a:rPr>
             </a:br>
             <a:r>
-              <a:rPr lang="en-US" sz="6600" b="1" smtClean="0">
+              <a:rPr lang="en-US" sz="6600" b="1">
                 <a:solidFill>
                   <a:sysClr val="windowText" lastClr="000000"/>
                 </a:solidFill>
@@ -4048,7 +3866,7 @@
               <a:t>Ha-leâ-lu-gia! </a:t>
             </a:r>
             <a:br>
-              <a:rPr lang="en-US" sz="6600" b="1" smtClean="0">
+              <a:rPr lang="en-US" sz="6600" b="1">
                 <a:solidFill>
                   <a:sysClr val="windowText" lastClr="000000"/>
                 </a:solidFill>
@@ -4061,7 +3879,7 @@
               </a:rPr>
             </a:br>
             <a:r>
-              <a:rPr lang="en-US" sz="6600" b="1" smtClean="0">
+              <a:rPr lang="en-US" sz="6600" b="1">
                 <a:solidFill>
                   <a:sysClr val="windowText" lastClr="000000"/>
                 </a:solidFill>
@@ -4075,7 +3893,7 @@
               <a:t>Suoát caû coõi trôøi </a:t>
             </a:r>
             <a:br>
-              <a:rPr lang="en-US" sz="6600" b="1" smtClean="0">
+              <a:rPr lang="en-US" sz="6600" b="1">
                 <a:solidFill>
                   <a:sysClr val="windowText" lastClr="000000"/>
                 </a:solidFill>
@@ -4088,7 +3906,7 @@
               </a:rPr>
             </a:br>
             <a:r>
-              <a:rPr lang="en-US" sz="6600" b="1" smtClean="0">
+              <a:rPr lang="en-US" sz="6600" b="1">
                 <a:solidFill>
                   <a:sysClr val="windowText" lastClr="000000"/>
                 </a:solidFill>
@@ -4127,21 +3945,6 @@
   <p:clrMapOvr>
     <a:overrideClrMapping bg1="lt1" tx1="dk1" bg2="lt2" tx2="dk2" accent1="accent1" accent2="accent2" accent3="accent3" accent4="accent4" accent5="accent5" accent6="accent6" hlink="hlink" folHlink="folHlink"/>
   </p:clrMapOvr>
-  <mc:AlternateContent xmlns:mc="http://schemas.openxmlformats.org/markup-compatibility/2006" xmlns:p14="http://schemas.microsoft.com/office/powerpoint/2010/main">
-    <mc:Choice Requires="p14">
-      <p:transition p14:dur="0"/>
-    </mc:Choice>
-    <mc:Fallback xmlns="">
-      <p:transition/>
-    </mc:Fallback>
-  </mc:AlternateContent>
-  <p:timing>
-    <p:tnLst>
-      <p:par>
-        <p:cTn id="1" dur="indefinite" restart="never" nodeType="tmRoot"/>
-      </p:par>
-    </p:tnLst>
-  </p:timing>
 </p:sld>
 </file>
 
@@ -4240,7 +4043,7 @@
           <a:p>
             <a:pPr algn="ctr"/>
             <a:r>
-              <a:rPr lang="en-US" sz="6600" b="1" smtClean="0">
+              <a:rPr lang="en-US" sz="6600" b="1">
                 <a:solidFill>
                   <a:sysClr val="windowText" lastClr="000000"/>
                 </a:solidFill>
@@ -4256,7 +4059,7 @@
               <a:t>Caùc söù thaùnh </a:t>
             </a:r>
             <a:br>
-              <a:rPr lang="en-US" sz="6600" b="1" smtClean="0">
+              <a:rPr lang="en-US" sz="6600" b="1">
                 <a:solidFill>
                   <a:sysClr val="windowText" lastClr="000000"/>
                 </a:solidFill>
@@ -4271,7 +4074,7 @@
               </a:rPr>
             </a:br>
             <a:r>
-              <a:rPr lang="en-US" sz="6600" b="1" smtClean="0">
+              <a:rPr lang="en-US" sz="6600" b="1">
                 <a:solidFill>
                   <a:sysClr val="windowText" lastClr="000000"/>
                 </a:solidFill>
@@ -4287,7 +4090,7 @@
               <a:t>huyeân ca gioïng eâm, möøng Christ giaùng </a:t>
             </a:r>
             <a:br>
-              <a:rPr lang="en-US" sz="6600" b="1" smtClean="0">
+              <a:rPr lang="en-US" sz="6600" b="1">
                 <a:solidFill>
                   <a:sysClr val="windowText" lastClr="000000"/>
                 </a:solidFill>
@@ -4302,7 +4105,7 @@
               </a:rPr>
             </a:br>
             <a:r>
-              <a:rPr lang="en-US" sz="6600" b="1" smtClean="0">
+              <a:rPr lang="en-US" sz="6600" b="1">
                 <a:solidFill>
                   <a:sysClr val="windowText" lastClr="000000"/>
                 </a:solidFill>
@@ -4343,21 +4146,6 @@
   <p:clrMapOvr>
     <a:overrideClrMapping bg1="lt1" tx1="dk1" bg2="lt2" tx2="dk2" accent1="accent1" accent2="accent2" accent3="accent3" accent4="accent4" accent5="accent5" accent6="accent6" hlink="hlink" folHlink="folHlink"/>
   </p:clrMapOvr>
-  <mc:AlternateContent xmlns:mc="http://schemas.openxmlformats.org/markup-compatibility/2006" xmlns:p14="http://schemas.microsoft.com/office/powerpoint/2010/main">
-    <mc:Choice Requires="p14">
-      <p:transition p14:dur="0"/>
-    </mc:Choice>
-    <mc:Fallback xmlns="">
-      <p:transition/>
-    </mc:Fallback>
-  </mc:AlternateContent>
-  <p:timing>
-    <p:tnLst>
-      <p:par>
-        <p:cTn id="1" dur="indefinite" restart="never" nodeType="tmRoot"/>
-      </p:par>
-    </p:tnLst>
-  </p:timing>
 </p:sld>
 </file>
 
@@ -4456,7 +4244,7 @@
           <a:p>
             <a:pPr algn="ctr"/>
             <a:r>
-              <a:rPr lang="en-US" sz="6600" b="1" smtClean="0">
+              <a:rPr lang="en-US" sz="6600" b="1">
                 <a:solidFill>
                   <a:sysClr val="windowText" lastClr="000000"/>
                 </a:solidFill>
@@ -4470,7 +4258,7 @@
               <a:t>Khaù chuù yù khuùc </a:t>
             </a:r>
             <a:br>
-              <a:rPr lang="en-US" sz="6600" b="1" smtClean="0">
+              <a:rPr lang="en-US" sz="6600" b="1">
                 <a:solidFill>
                   <a:sysClr val="windowText" lastClr="000000"/>
                 </a:solidFill>
@@ -4483,7 +4271,7 @@
               </a:rPr>
             </a:br>
             <a:r>
-              <a:rPr lang="en-US" sz="6600" b="1" smtClean="0">
+              <a:rPr lang="en-US" sz="6600" b="1">
                 <a:solidFill>
                   <a:sysClr val="windowText" lastClr="000000"/>
                 </a:solidFill>
@@ -4497,7 +4285,7 @@
               <a:t>ca dieäu thay: Vinh </a:t>
             </a:r>
             <a:br>
-              <a:rPr lang="en-US" sz="6600" b="1" smtClean="0">
+              <a:rPr lang="en-US" sz="6600" b="1">
                 <a:solidFill>
                   <a:sysClr val="windowText" lastClr="000000"/>
                 </a:solidFill>
@@ -4510,7 +4298,7 @@
               </a:rPr>
             </a:br>
             <a:r>
-              <a:rPr lang="en-US" sz="6600" b="1" smtClean="0">
+              <a:rPr lang="en-US" sz="6600" b="1">
                 <a:solidFill>
                   <a:sysClr val="windowText" lastClr="000000"/>
                 </a:solidFill>
@@ -4524,7 +4312,7 @@
               <a:t>hieån baáy Christ </a:t>
             </a:r>
             <a:br>
-              <a:rPr lang="en-US" sz="6600" b="1" smtClean="0">
+              <a:rPr lang="en-US" sz="6600" b="1">
                 <a:solidFill>
                   <a:sysClr val="windowText" lastClr="000000"/>
                 </a:solidFill>
@@ -4537,7 +4325,7 @@
               </a:rPr>
             </a:br>
             <a:r>
-              <a:rPr lang="en-US" sz="6600" b="1" smtClean="0">
+              <a:rPr lang="en-US" sz="6600" b="1">
                 <a:solidFill>
                   <a:sysClr val="windowText" lastClr="000000"/>
                 </a:solidFill>
@@ -4576,21 +4364,6 @@
   <p:clrMapOvr>
     <a:overrideClrMapping bg1="lt1" tx1="dk1" bg2="lt2" tx2="dk2" accent1="accent1" accent2="accent2" accent3="accent3" accent4="accent4" accent5="accent5" accent6="accent6" hlink="hlink" folHlink="folHlink"/>
   </p:clrMapOvr>
-  <mc:AlternateContent xmlns:mc="http://schemas.openxmlformats.org/markup-compatibility/2006" xmlns:p14="http://schemas.microsoft.com/office/powerpoint/2010/main">
-    <mc:Choice Requires="p14">
-      <p:transition p14:dur="0"/>
-    </mc:Choice>
-    <mc:Fallback xmlns="">
-      <p:transition/>
-    </mc:Fallback>
-  </mc:AlternateContent>
-  <p:timing>
-    <p:tnLst>
-      <p:par>
-        <p:cTn id="1" dur="indefinite" restart="never" nodeType="tmRoot"/>
-      </p:par>
-    </p:tnLst>
-  </p:timing>
 </p:sld>
 </file>
 
@@ -4675,7 +4448,7 @@
           <a:p>
             <a:pPr algn="ctr"/>
             <a:r>
-              <a:rPr lang="en-US" sz="4000" b="1" smtClean="0">
+              <a:rPr lang="en-US" sz="4000" b="1">
                 <a:solidFill>
                   <a:sysClr val="windowText" lastClr="000000"/>
                 </a:solidFill>
@@ -4689,7 +4462,7 @@
               <a:t>2.</a:t>
             </a:r>
             <a:r>
-              <a:rPr lang="en-US" sz="6600" b="1" smtClean="0">
+              <a:rPr lang="en-US" sz="6600" b="1">
                 <a:solidFill>
                   <a:sysClr val="windowText" lastClr="000000"/>
                 </a:solidFill>
@@ -4703,7 +4476,7 @@
               <a:t> </a:t>
             </a:r>
             <a:r>
-              <a:rPr lang="en-US" sz="6600" b="1" smtClean="0">
+              <a:rPr lang="en-US" sz="6600" b="1">
                 <a:solidFill>
                   <a:sysClr val="windowText" lastClr="000000"/>
                 </a:solidFill>
@@ -4717,7 +4490,7 @@
               <a:t>Kìa, thieân binh </a:t>
             </a:r>
             <a:br>
-              <a:rPr lang="en-US" sz="6600" b="1" smtClean="0">
+              <a:rPr lang="en-US" sz="6600" b="1">
                 <a:solidFill>
                   <a:sysClr val="windowText" lastClr="000000"/>
                 </a:solidFill>
@@ -4730,7 +4503,7 @@
               </a:rPr>
             </a:br>
             <a:r>
-              <a:rPr lang="en-US" sz="6600" b="1" smtClean="0">
+              <a:rPr lang="en-US" sz="6600" b="1">
                 <a:solidFill>
                   <a:sysClr val="windowText" lastClr="000000"/>
                 </a:solidFill>
@@ -4744,7 +4517,7 @@
               <a:t>thôø Vua chaùnh ngoâi, </a:t>
             </a:r>
             <a:br>
-              <a:rPr lang="en-US" sz="6600" b="1" smtClean="0">
+              <a:rPr lang="en-US" sz="6600" b="1">
                 <a:solidFill>
                   <a:sysClr val="windowText" lastClr="000000"/>
                 </a:solidFill>
@@ -4757,7 +4530,7 @@
               </a:rPr>
             </a:br>
             <a:r>
-              <a:rPr lang="en-US" sz="6600" b="1" smtClean="0">
+              <a:rPr lang="en-US" sz="6600" b="1">
                 <a:solidFill>
                   <a:sysClr val="windowText" lastClr="000000"/>
                 </a:solidFill>
@@ -4771,7 +4544,7 @@
               <a:t>Cöùu Chuùa Christ </a:t>
             </a:r>
             <a:br>
-              <a:rPr lang="en-US" sz="6600" b="1" smtClean="0">
+              <a:rPr lang="en-US" sz="6600" b="1">
                 <a:solidFill>
                   <a:sysClr val="windowText" lastClr="000000"/>
                 </a:solidFill>
@@ -4784,7 +4557,7 @@
               </a:rPr>
             </a:br>
             <a:r>
-              <a:rPr lang="en-US" sz="6600" b="1" smtClean="0">
+              <a:rPr lang="en-US" sz="6600" b="1">
                 <a:solidFill>
                   <a:sysClr val="windowText" lastClr="000000"/>
                 </a:solidFill>
@@ -4821,21 +4594,6 @@
   <p:clrMapOvr>
     <a:masterClrMapping/>
   </p:clrMapOvr>
-  <mc:AlternateContent xmlns:mc="http://schemas.openxmlformats.org/markup-compatibility/2006" xmlns:p14="http://schemas.microsoft.com/office/powerpoint/2010/main">
-    <mc:Choice Requires="p14">
-      <p:transition p14:dur="0"/>
-    </mc:Choice>
-    <mc:Fallback xmlns="">
-      <p:transition/>
-    </mc:Fallback>
-  </mc:AlternateContent>
-  <p:timing>
-    <p:tnLst>
-      <p:par>
-        <p:cTn id="1" dur="indefinite" restart="never" nodeType="tmRoot"/>
-      </p:par>
-    </p:tnLst>
-  </p:timing>
 </p:sld>
 </file>
 
@@ -4934,7 +4692,7 @@
           <a:p>
             <a:pPr algn="ctr"/>
             <a:r>
-              <a:rPr lang="en-US" sz="6600" b="1" smtClean="0">
+              <a:rPr lang="en-US" sz="6600" b="1">
                 <a:solidFill>
                   <a:sysClr val="windowText" lastClr="000000"/>
                 </a:solidFill>
@@ -4948,7 +4706,7 @@
               <a:t>Ñoàng trinh xöa </a:t>
             </a:r>
             <a:br>
-              <a:rPr lang="en-US" sz="6600" b="1" smtClean="0">
+              <a:rPr lang="en-US" sz="6600" b="1">
                 <a:solidFill>
                   <a:sysClr val="windowText" lastClr="000000"/>
                 </a:solidFill>
@@ -4961,7 +4719,7 @@
               </a:rPr>
             </a:br>
             <a:r>
-              <a:rPr lang="en-US" sz="6600" b="1" smtClean="0">
+              <a:rPr lang="en-US" sz="6600" b="1">
                 <a:solidFill>
                   <a:sysClr val="windowText" lastClr="000000"/>
                 </a:solidFill>
@@ -4975,7 +4733,7 @@
               <a:t>hoaøi thai Thaùnh töû, Ñaáng loaøi ngöôøi </a:t>
             </a:r>
             <a:br>
-              <a:rPr lang="en-US" sz="6600" b="1" smtClean="0">
+              <a:rPr lang="en-US" sz="6600" b="1">
                 <a:solidFill>
                   <a:sysClr val="windowText" lastClr="000000"/>
                 </a:solidFill>
@@ -4988,7 +4746,7 @@
               </a:rPr>
             </a:br>
             <a:r>
-              <a:rPr lang="en-US" sz="6600" b="1" smtClean="0">
+              <a:rPr lang="en-US" sz="6600" b="1">
                 <a:solidFill>
                   <a:sysClr val="windowText" lastClr="000000"/>
                 </a:solidFill>
@@ -5027,21 +4785,6 @@
   <p:clrMapOvr>
     <a:overrideClrMapping bg1="lt1" tx1="dk1" bg2="lt2" tx2="dk2" accent1="accent1" accent2="accent2" accent3="accent3" accent4="accent4" accent5="accent5" accent6="accent6" hlink="hlink" folHlink="folHlink"/>
   </p:clrMapOvr>
-  <mc:AlternateContent xmlns:mc="http://schemas.openxmlformats.org/markup-compatibility/2006" xmlns:p14="http://schemas.microsoft.com/office/powerpoint/2010/main">
-    <mc:Choice Requires="p14">
-      <p:transition p14:dur="0"/>
-    </mc:Choice>
-    <mc:Fallback xmlns="">
-      <p:transition/>
-    </mc:Fallback>
-  </mc:AlternateContent>
-  <p:timing>
-    <p:tnLst>
-      <p:par>
-        <p:cTn id="1" dur="indefinite" restart="never" nodeType="tmRoot"/>
-      </p:par>
-    </p:tnLst>
-  </p:timing>
 </p:sld>
 </file>
 
@@ -5140,7 +4883,7 @@
           <a:p>
             <a:pPr algn="ctr"/>
             <a:r>
-              <a:rPr lang="en-US" sz="6600" b="1" smtClean="0">
+              <a:rPr lang="en-US" sz="6600" b="1">
                 <a:solidFill>
                   <a:sysClr val="windowText" lastClr="000000"/>
                 </a:solidFill>
@@ -5154,7 +4897,7 @@
               <a:t>Daãu Chuùa coù </a:t>
             </a:r>
             <a:br>
-              <a:rPr lang="en-US" sz="6600" b="1" smtClean="0">
+              <a:rPr lang="en-US" sz="6600" b="1">
                 <a:solidFill>
                   <a:sysClr val="windowText" lastClr="000000"/>
                 </a:solidFill>
@@ -5167,7 +4910,7 @@
               </a:rPr>
             </a:br>
             <a:r>
-              <a:rPr lang="en-US" sz="6600" b="1" smtClean="0">
+              <a:rPr lang="en-US" sz="6600" b="1">
                 <a:solidFill>
                   <a:sysClr val="windowText" lastClr="000000"/>
                 </a:solidFill>
@@ -5181,7 +4924,7 @@
               <a:t>hình theå nhö ta, </a:t>
             </a:r>
             <a:br>
-              <a:rPr lang="en-US" sz="6600" b="1" smtClean="0">
+              <a:rPr lang="en-US" sz="6600" b="1">
                 <a:solidFill>
                   <a:sysClr val="windowText" lastClr="000000"/>
                 </a:solidFill>
@@ -5194,7 +4937,7 @@
               </a:rPr>
             </a:br>
             <a:r>
-              <a:rPr lang="en-US" sz="6600" b="1" smtClean="0">
+              <a:rPr lang="en-US" sz="6600" b="1">
                 <a:solidFill>
                   <a:sysClr val="windowText" lastClr="000000"/>
                 </a:solidFill>
@@ -5208,7 +4951,7 @@
               <a:t>vaãn chieáu saùng </a:t>
             </a:r>
             <a:br>
-              <a:rPr lang="en-US" sz="6600" b="1" smtClean="0">
+              <a:rPr lang="en-US" sz="6600" b="1">
                 <a:solidFill>
                   <a:sysClr val="windowText" lastClr="000000"/>
                 </a:solidFill>
@@ -5221,7 +4964,7 @@
               </a:rPr>
             </a:br>
             <a:r>
-              <a:rPr lang="en-US" sz="6600" b="1" smtClean="0">
+              <a:rPr lang="en-US" sz="6600" b="1">
                 <a:solidFill>
                   <a:sysClr val="windowText" lastClr="000000"/>
                 </a:solidFill>
@@ -5260,21 +5003,6 @@
   <p:clrMapOvr>
     <a:overrideClrMapping bg1="lt1" tx1="dk1" bg2="lt2" tx2="dk2" accent1="accent1" accent2="accent2" accent3="accent3" accent4="accent4" accent5="accent5" accent6="accent6" hlink="hlink" folHlink="folHlink"/>
   </p:clrMapOvr>
-  <mc:AlternateContent xmlns:mc="http://schemas.openxmlformats.org/markup-compatibility/2006" xmlns:p14="http://schemas.microsoft.com/office/powerpoint/2010/main">
-    <mc:Choice Requires="p14">
-      <p:transition p14:dur="0"/>
-    </mc:Choice>
-    <mc:Fallback xmlns="">
-      <p:transition/>
-    </mc:Fallback>
-  </mc:AlternateContent>
-  <p:timing>
-    <p:tnLst>
-      <p:par>
-        <p:cTn id="1" dur="indefinite" restart="never" nodeType="tmRoot"/>
-      </p:par>
-    </p:tnLst>
-  </p:timing>
 </p:sld>
 </file>
 
